--- a/URL-Shortener-System-Design (1).pptx
+++ b/URL-Shortener-System-Design (1).pptx
@@ -214,7 +214,7 @@
           <a:p>
             <a:fld id="{5282F153-3F37-0F45-9E97-73ACFA13230C}" type="datetimeFigureOut">
               <a:rPr lang="en-US"/>
-              <a:t>11/19/2025</a:t>
+              <a:t>11/20/2025</a:t>
             </a:fld>
             <a:endParaRPr lang="en-US"/>
           </a:p>
@@ -2628,6 +2628,53 @@
           <a:p>
             <a:pPr algn="ctr"/>
             <a:endParaRPr lang="en-IN"/>
+          </a:p>
+        </p:txBody>
+      </p:sp>
+      <p:sp>
+        <p:nvSpPr>
+          <p:cNvPr id="5" name="TextBox 4">
+            <a:extLst>
+              <a:ext uri="{FF2B5EF4-FFF2-40B4-BE49-F238E27FC236}">
+                <a16:creationId xmlns:a16="http://schemas.microsoft.com/office/drawing/2014/main" id="{B22E5EDA-C66D-6861-AA35-D13554435243}"/>
+              </a:ext>
+            </a:extLst>
+          </p:cNvPr>
+          <p:cNvSpPr txBox="1"/>
+          <p:nvPr/>
+        </p:nvSpPr>
+        <p:spPr>
+          <a:xfrm>
+            <a:off x="405353" y="6419654"/>
+            <a:ext cx="8851769" cy="923330"/>
+          </a:xfrm>
+          <a:prstGeom prst="rect">
+            <a:avLst/>
+          </a:prstGeom>
+          <a:noFill/>
+        </p:spPr>
+        <p:txBody>
+          <a:bodyPr wrap="square" rtlCol="0">
+            <a:spAutoFit/>
+          </a:bodyPr>
+          <a:lstStyle/>
+          <a:p>
+            <a:r>
+              <a:rPr lang="en-IN" dirty="0"/>
+              <a:t>NAME: MEKA.NITHISHA</a:t>
+            </a:r>
+          </a:p>
+          <a:p>
+            <a:r>
+              <a:rPr lang="en-IN" dirty="0"/>
+              <a:t>REGISTRATION NUMBER: 12400718</a:t>
+            </a:r>
+          </a:p>
+          <a:p>
+            <a:r>
+              <a:rPr lang="en-IN" dirty="0"/>
+              <a:t>ROLL.NO: 25</a:t>
+            </a:r>
           </a:p>
         </p:txBody>
       </p:sp>
